--- a/01面向有经验开发人员的 JavaScript 课程/MVA resource/02.pptx
+++ b/01面向有经验开发人员的 JavaScript 课程/MVA resource/02.pptx
@@ -201,6 +201,97 @@
 </p:presentation>
 </file>
 
+<file path=ppt/commentAuthors.xml><?xml version="1.0" encoding="utf-8"?>
+<p:cmAuthorLst xmlns:a="http://schemas.openxmlformats.org/drawingml/2006/main" xmlns:r="http://schemas.openxmlformats.org/officeDocument/2006/relationships" xmlns:p="http://schemas.openxmlformats.org/presentationml/2006/main">
+  <p:cmAuthor id="1" name="frms xgq" initials="fx" lastIdx="5" clrIdx="0">
+    <p:extLst>
+      <p:ext uri="{19B8F6BF-5375-455C-9EA6-DF929625EA0E}">
+        <p15:presenceInfo xmlns:p15="http://schemas.microsoft.com/office/powerpoint/2012/main" userId="24f6446bd2944f19" providerId="Windows Live"/>
+      </p:ext>
+    </p:extLst>
+  </p:cmAuthor>
+</p:cmAuthorLst>
+</file>
+
+<file path=ppt/comments/comment1.xml><?xml version="1.0" encoding="utf-8"?>
+<p:cmLst xmlns:a="http://schemas.openxmlformats.org/drawingml/2006/main" xmlns:r="http://schemas.openxmlformats.org/officeDocument/2006/relationships" xmlns:p="http://schemas.openxmlformats.org/presentationml/2006/main">
+  <p:cm authorId="1" dt="2016-07-09T20:19:40.815" idx="1">
+    <p:pos x="1294" y="2587"/>
+    <p:text>// How to Create An Object
+var myGrades = {};//empty object
+//way 1 x = {A : value, B : value,...},same as JSON
+var collegeAlgebra = {//初始化_属性 属性: 属性_分隔符 ，
+    level: "freshman",
+    difficulty: "hard",
+    expectedGrade: 98,
+    textbook: function () {
+        console.log("College Algebra for freshman is the required text!");
+    }
+}</p:text>
+    <p:extLst>
+      <p:ext uri="{C676402C-5697-4E1C-873F-D02D1690AC5C}">
+        <p15:threadingInfo xmlns:p15="http://schemas.microsoft.com/office/powerpoint/2012/main" timeZoneBias="-480"/>
+      </p:ext>
+    </p:extLst>
+  </p:cm>
+  <p:cm authorId="1" dt="2016-07-09T20:20:01.032" idx="2">
+    <p:pos x="5051" y="2585"/>
+    <p:text>//way 2, x = new Object; x.Attr1 = value,x.Attr2 = value ...
+var collegeAlg = new Object;//实例化_对象  .属性 =  属性_分隔符 ，
+    collegeAlg.level = "freshman",
+    collegeAlg.difficulty = "hard",
+    collegeAlg.expectedGrade = 98,
+    collegeAlg.textbook = function () {
+        console.log("College Algebra for freshman is the required text!");
+    },
+    collegeAlg["textBook"] = function () {
+        console.log("College Algebra  textBook!");
+    }</p:text>
+    <p:extLst>
+      <p:ext uri="{C676402C-5697-4E1C-873F-D02D1690AC5C}">
+        <p15:threadingInfo xmlns:p15="http://schemas.microsoft.com/office/powerpoint/2012/main" timeZoneBias="-480"/>
+      </p:ext>
+    </p:extLst>
+  </p:cm>
+</p:cmLst>
+</file>
+
+<file path=ppt/comments/comment2.xml><?xml version="1.0" encoding="utf-8"?>
+<p:cmLst xmlns:a="http://schemas.openxmlformats.org/drawingml/2006/main" xmlns:r="http://schemas.openxmlformats.org/officeDocument/2006/relationships" xmlns:p="http://schemas.openxmlformats.org/presentationml/2006/main">
+  <p:cm authorId="1" dt="2016-07-09T20:21:20.761" idx="3">
+    <p:pos x="3239" y="831"/>
+    <p:text>英语句号</p:text>
+    <p:extLst>
+      <p:ext uri="{C676402C-5697-4E1C-873F-D02D1690AC5C}">
+        <p15:threadingInfo xmlns:p15="http://schemas.microsoft.com/office/powerpoint/2012/main" timeZoneBias="-480"/>
+      </p:ext>
+    </p:extLst>
+  </p:cm>
+  <p:cm authorId="1" dt="2016-07-09T20:21:44.442" idx="4">
+    <p:pos x="3239" y="927"/>
+    <p:text>.</p:text>
+    <p:extLst>
+      <p:ext uri="{C676402C-5697-4E1C-873F-D02D1690AC5C}">
+        <p15:threadingInfo xmlns:p15="http://schemas.microsoft.com/office/powerpoint/2012/main" timeZoneBias="-480">
+          <p15:parentCm authorId="1" idx="3"/>
+        </p15:threadingInfo>
+      </p:ext>
+    </p:extLst>
+  </p:cm>
+  <p:cm authorId="1" dt="2016-07-09T20:28:38.318" idx="5">
+    <p:pos x="1964" y="2644"/>
+    <p:text>["textBook"] : function () {
+        console.log("College Algebra  textBook!");
+    }</p:text>
+    <p:extLst>
+      <p:ext uri="{C676402C-5697-4E1C-873F-D02D1690AC5C}">
+        <p15:threadingInfo xmlns:p15="http://schemas.microsoft.com/office/powerpoint/2012/main" timeZoneBias="-480"/>
+      </p:ext>
+    </p:extLst>
+  </p:cm>
+</p:cmLst>
+</file>
+
 <file path=ppt/handoutMasters/handoutMaster1.xml><?xml version="1.0" encoding="utf-8"?>
 <p:handoutMaster xmlns:a="http://schemas.openxmlformats.org/drawingml/2006/main" xmlns:r="http://schemas.openxmlformats.org/officeDocument/2006/relationships" xmlns:p="http://schemas.openxmlformats.org/presentationml/2006/main">
   <p:cSld>
@@ -283,7 +374,7 @@
           <a:p>
             <a:fld id="{312E7B4A-039C-48A2-9B2C-AF16AA3873D8}" type="datetimeFigureOut">
               <a:rPr lang="en-US" smtClean="0"/>
-              <a:t>10/28/2015</a:t>
+              <a:t>7/9/2016</a:t>
             </a:fld>
             <a:endParaRPr lang="en-US"/>
           </a:p>
@@ -448,7 +539,7 @@
           <a:p>
             <a:fld id="{DA005A0C-54D9-45AA-87D4-C551D08DFCE1}" type="datetimeFigureOut">
               <a:rPr lang="en-US" smtClean="0"/>
-              <a:t>10/28/2015</a:t>
+              <a:t>7/9/2016</a:t>
             </a:fld>
             <a:endParaRPr lang="en-US"/>
           </a:p>
@@ -15630,8 +15721,28 @@
               <a:buNone/>
             </a:pPr>
             <a:r>
+              <a:rPr lang="en-US" b="1" dirty="0" smtClean="0">
+                <a:solidFill>
+                  <a:srgbClr val="00B050"/>
+                </a:solidFill>
+              </a:rPr>
+              <a:t>Dot</a:t>
+            </a:r>
+            <a:r>
               <a:rPr lang="en-US" b="1" dirty="0" smtClean="0"/>
-              <a:t>Dot Notation : Using a period between the object name and property</a:t>
+              <a:t> Notation : Using a </a:t>
+            </a:r>
+            <a:r>
+              <a:rPr lang="en-US" b="1" dirty="0" smtClean="0">
+                <a:solidFill>
+                  <a:srgbClr val="00B0F0"/>
+                </a:solidFill>
+              </a:rPr>
+              <a:t>period</a:t>
+            </a:r>
+            <a:r>
+              <a:rPr lang="en-US" b="1" dirty="0" smtClean="0"/>
+              <a:t> between the object name and property</a:t>
             </a:r>
           </a:p>
           <a:p>
@@ -15649,8 +15760,16 @@
               <a:buNone/>
             </a:pPr>
             <a:r>
+              <a:rPr lang="en-US" b="1" dirty="0" smtClean="0">
+                <a:solidFill>
+                  <a:srgbClr val="00B050"/>
+                </a:solidFill>
+              </a:rPr>
+              <a:t>Bracket</a:t>
+            </a:r>
+            <a:r>
               <a:rPr lang="en-US" b="1" dirty="0" smtClean="0"/>
-              <a:t>Bracket Notation : Using a bracket between the object name and property.</a:t>
+              <a:t> Notation : Using a bracket between the object name and property.</a:t>
             </a:r>
           </a:p>
           <a:p>
@@ -15663,7 +15782,15 @@
             </a:r>
             <a:r>
               <a:rPr lang="en-US" b="1" dirty="0" smtClean="0"/>
-              <a:t>- Also lets you access a property name through other variable names</a:t>
+              <a:t>- Also lets you access a property name through</a:t>
+            </a:r>
+            <a:r>
+              <a:rPr lang="en-US" b="1" dirty="0" smtClean="0">
+                <a:solidFill>
+                  <a:srgbClr val="00B0F0"/>
+                </a:solidFill>
+              </a:rPr>
+              <a:t> other variable names</a:t>
             </a:r>
           </a:p>
           <a:p>
@@ -15678,7 +15805,15 @@
             </a:pPr>
             <a:r>
               <a:rPr lang="en-US" dirty="0" smtClean="0"/>
-              <a:t>You will use these methods to also manipulate and change object properties</a:t>
+              <a:t>You will use these methods to also </a:t>
+            </a:r>
+            <a:r>
+              <a:rPr lang="en-US" b="1" dirty="0" smtClean="0"/>
+              <a:t>manipulate</a:t>
+            </a:r>
+            <a:r>
+              <a:rPr lang="en-US" dirty="0" smtClean="0"/>
+              <a:t> and change object properties</a:t>
             </a:r>
           </a:p>
         </p:txBody>
@@ -15736,15 +15871,51 @@
           <a:p>
             <a:r>
               <a:rPr lang="en-US" dirty="0" smtClean="0"/>
-              <a:t>Deleting a property from an object is something as simple using the delete operator.</a:t>
-            </a:r>
-          </a:p>
-          <a:p>
-            <a:r>
-              <a:rPr lang="en-US" dirty="0" smtClean="0"/>
-              <a:t>You cannot delete properties that were inherited.</a:t>
-            </a:r>
-            <a:endParaRPr lang="en-US" dirty="0"/>
+              <a:t>Deleting a property from an object is something as simple using the </a:t>
+            </a:r>
+            <a:r>
+              <a:rPr lang="en-US" dirty="0" smtClean="0">
+                <a:solidFill>
+                  <a:srgbClr val="00B050"/>
+                </a:solidFill>
+              </a:rPr>
+              <a:t>delete</a:t>
+            </a:r>
+            <a:r>
+              <a:rPr lang="en-US" dirty="0" smtClean="0"/>
+              <a:t> operator.</a:t>
+            </a:r>
+          </a:p>
+          <a:p>
+            <a:r>
+              <a:rPr lang="en-US" dirty="0" smtClean="0"/>
+              <a:t>You </a:t>
+            </a:r>
+            <a:r>
+              <a:rPr lang="en-US" dirty="0" smtClean="0">
+                <a:solidFill>
+                  <a:srgbClr val="FF0000"/>
+                </a:solidFill>
+              </a:rPr>
+              <a:t>cannot delete properties </a:t>
+            </a:r>
+            <a:r>
+              <a:rPr lang="en-US" dirty="0" smtClean="0"/>
+              <a:t>that were </a:t>
+            </a:r>
+            <a:r>
+              <a:rPr lang="en-US" dirty="0" smtClean="0">
+                <a:solidFill>
+                  <a:srgbClr val="00B0F0"/>
+                </a:solidFill>
+              </a:rPr>
+              <a:t>inherited.</a:t>
+            </a:r>
+            <a:endParaRPr lang="en-US" dirty="0">
+              <a:solidFill>
+                <a:srgbClr val="00B0F0"/>
+              </a:solidFill>
+            </a:endParaRPr>
           </a:p>
         </p:txBody>
       </p:sp>
@@ -15866,16 +16037,6 @@
               </a:rPr>
               <a:t>98</a:t>
             </a:r>
-            <a:endParaRPr lang="en-US" dirty="0">
-              <a:solidFill>
-                <a:schemeClr val="accent3">
-                  <a:lumMod val="60000"/>
-                  <a:lumOff val="40000"/>
-                </a:schemeClr>
-              </a:solidFill>
-            </a:endParaRPr>
-          </a:p>
-          <a:p>
             <a:r>
               <a:rPr lang="en-US" dirty="0"/>
               <a:t>	</a:t>
@@ -15885,6 +16046,88 @@
             <a:r>
               <a:rPr lang="en-US" dirty="0" smtClean="0"/>
               <a:t>}</a:t>
+            </a:r>
+            <a:endParaRPr lang="en-US" dirty="0" smtClean="0"/>
+          </a:p>
+          <a:p>
+            <a:r>
+              <a:rPr lang="en-US" altLang="zh-CN" dirty="0" err="1" smtClean="0"/>
+              <a:t>collegeAlg.level</a:t>
+            </a:r>
+            <a:r>
+              <a:rPr lang="en-US" altLang="zh-CN" dirty="0" smtClean="0"/>
+              <a:t> = “</a:t>
+            </a:r>
+            <a:r>
+              <a:rPr lang="en-US" altLang="zh-CN" dirty="0">
+                <a:solidFill>
+                  <a:schemeClr val="accent6"/>
+                </a:solidFill>
+              </a:rPr>
+              <a:t>master</a:t>
+            </a:r>
+            <a:r>
+              <a:rPr lang="en-US" altLang="zh-CN" dirty="0" smtClean="0"/>
+              <a:t>”; //</a:t>
+            </a:r>
+            <a:r>
+              <a:rPr lang="en-US" altLang="zh-CN" dirty="0">
+                <a:solidFill>
+                  <a:schemeClr val="accent1"/>
+                </a:solidFill>
+              </a:rPr>
+              <a:t> </a:t>
+            </a:r>
+            <a:r>
+              <a:rPr lang="en-US" altLang="zh-CN" dirty="0" smtClean="0">
+                <a:solidFill>
+                  <a:schemeClr val="accent1"/>
+                </a:solidFill>
+              </a:rPr>
+              <a:t>modify </a:t>
+            </a:r>
+            <a:r>
+              <a:rPr lang="en-US" altLang="zh-CN" dirty="0" smtClean="0"/>
+              <a:t>level </a:t>
+            </a:r>
+            <a:r>
+              <a:rPr lang="en-US" altLang="zh-CN" dirty="0"/>
+              <a:t>property is </a:t>
+            </a:r>
+            <a:r>
+              <a:rPr lang="en-US" altLang="zh-CN" dirty="0" smtClean="0"/>
+              <a:t>deleted</a:t>
+            </a:r>
+            <a:endParaRPr lang="en-US" dirty="0" smtClean="0"/>
+          </a:p>
+          <a:p>
+            <a:r>
+              <a:rPr lang="en-US" dirty="0" smtClean="0">
+                <a:solidFill>
+                  <a:schemeClr val="accent1"/>
+                </a:solidFill>
+              </a:rPr>
+              <a:t>Console.log</a:t>
+            </a:r>
+            <a:r>
+              <a:rPr lang="en-US" dirty="0" smtClean="0"/>
+              <a:t>(</a:t>
+            </a:r>
+            <a:r>
+              <a:rPr lang="en-US" dirty="0" err="1" smtClean="0"/>
+              <a:t>collegeAlg</a:t>
+            </a:r>
+            <a:r>
+              <a:rPr lang="en-US" dirty="0" smtClean="0"/>
+              <a:t>["</a:t>
+            </a:r>
+            <a:r>
+              <a:rPr lang="en-US" dirty="0" err="1"/>
+              <a:t>textBook</a:t>
+            </a:r>
+            <a:r>
+              <a:rPr lang="en-US" dirty="0" smtClean="0"/>
+              <a:t>"]());</a:t>
             </a:r>
           </a:p>
           <a:p>
@@ -16039,10 +16282,18 @@
           <a:lstStyle/>
           <a:p>
             <a:r>
-              <a:rPr lang="en-US" dirty="0" smtClean="0"/>
+              <a:rPr lang="en-US" b="1" dirty="0" smtClean="0">
+                <a:solidFill>
+                  <a:srgbClr val="00B050"/>
+                </a:solidFill>
+              </a:rPr>
               <a:t>Constructors</a:t>
             </a:r>
-            <a:endParaRPr lang="en-US" dirty="0"/>
+            <a:endParaRPr lang="en-US" b="1" dirty="0">
+              <a:solidFill>
+                <a:srgbClr val="00B050"/>
+              </a:solidFill>
+            </a:endParaRPr>
           </a:p>
         </p:txBody>
       </p:sp>
@@ -16063,16 +16314,48 @@
           <a:p>
             <a:r>
               <a:rPr lang="en-US" dirty="0" smtClean="0"/>
-              <a:t>Just like other OOP languages, constructors are used to set an object’s properties and methods</a:t>
-            </a:r>
-          </a:p>
-          <a:p>
-            <a:endParaRPr lang="en-US" dirty="0"/>
-          </a:p>
-          <a:p>
-            <a:r>
-              <a:rPr lang="en-US" dirty="0" smtClean="0"/>
-              <a:t>Constructors are invoked the moment an object is instantiated</a:t>
+              <a:t>Just like other OOP languages, constructors are used to set an object’s </a:t>
+            </a:r>
+            <a:r>
+              <a:rPr lang="en-US" b="1" dirty="0" smtClean="0">
+                <a:solidFill>
+                  <a:schemeClr val="accent1"/>
+                </a:solidFill>
+              </a:rPr>
+              <a:t>properties </a:t>
+            </a:r>
+            <a:r>
+              <a:rPr lang="en-US" b="1" dirty="0" smtClean="0"/>
+              <a:t>and </a:t>
+            </a:r>
+            <a:r>
+              <a:rPr lang="en-US" b="1" dirty="0" smtClean="0">
+                <a:solidFill>
+                  <a:schemeClr val="accent1"/>
+                </a:solidFill>
+              </a:rPr>
+              <a:t>methods</a:t>
+            </a:r>
+          </a:p>
+          <a:p>
+            <a:endParaRPr lang="en-US" b="1" dirty="0">
+              <a:solidFill>
+                <a:schemeClr val="accent1"/>
+              </a:solidFill>
+            </a:endParaRPr>
+          </a:p>
+          <a:p>
+            <a:r>
+              <a:rPr lang="en-US" dirty="0" smtClean="0"/>
+              <a:t>Constructors are invoked the moment an object is </a:t>
+            </a:r>
+            <a:r>
+              <a:rPr lang="en-US" b="1" dirty="0" smtClean="0">
+                <a:solidFill>
+                  <a:srgbClr val="00B0F0"/>
+                </a:solidFill>
+              </a:rPr>
+              <a:t>instantiated</a:t>
             </a:r>
           </a:p>
           <a:p>
@@ -16081,9 +16364,25 @@
           <a:p>
             <a:r>
               <a:rPr lang="en-US" dirty="0" smtClean="0"/>
-              <a:t>In JavaScript, constructors are written in the form of a function, using the function keyword</a:t>
-            </a:r>
-            <a:endParaRPr lang="en-US" dirty="0"/>
+              <a:t>In JavaScript, constructors are written in the form of a </a:t>
+            </a:r>
+            <a:r>
+              <a:rPr lang="en-US" b="1" dirty="0" smtClean="0">
+                <a:solidFill>
+                  <a:srgbClr val="00B0F0"/>
+                </a:solidFill>
+              </a:rPr>
+              <a:t>function</a:t>
+            </a:r>
+            <a:r>
+              <a:rPr lang="en-US" dirty="0" smtClean="0"/>
+              <a:t>, using the </a:t>
+            </a:r>
+            <a:r>
+              <a:rPr lang="en-US" b="1" dirty="0" smtClean="0"/>
+              <a:t>function keyword</a:t>
+            </a:r>
+            <a:endParaRPr lang="en-US" b="1" dirty="0"/>
           </a:p>
         </p:txBody>
       </p:sp>
@@ -16133,10 +16432,22 @@
           <a:lstStyle/>
           <a:p>
             <a:r>
-              <a:rPr lang="en-US" smtClean="0"/>
-              <a:t>Creating Constructors</a:t>
-            </a:r>
-            <a:endParaRPr lang="en-US" dirty="0"/>
+              <a:rPr lang="en-US" dirty="0" smtClean="0"/>
+              <a:t>Creating </a:t>
+            </a:r>
+            <a:r>
+              <a:rPr lang="en-US" dirty="0" smtClean="0">
+                <a:solidFill>
+                  <a:srgbClr val="00B0F0"/>
+                </a:solidFill>
+              </a:rPr>
+              <a:t>Constructors</a:t>
+            </a:r>
+            <a:endParaRPr lang="en-US" dirty="0">
+              <a:solidFill>
+                <a:srgbClr val="00B0F0"/>
+              </a:solidFill>
+            </a:endParaRPr>
           </a:p>
         </p:txBody>
       </p:sp>
@@ -16210,7 +16521,27 @@
           <a:p>
             <a:r>
               <a:rPr lang="en-US" dirty="0" smtClean="0"/>
-              <a:t>Every object has a prototype and every prototype is an object</a:t>
+              <a:t>Every object has a </a:t>
+            </a:r>
+            <a:r>
+              <a:rPr lang="en-US" dirty="0" smtClean="0">
+                <a:solidFill>
+                  <a:srgbClr val="00B0F0"/>
+                </a:solidFill>
+              </a:rPr>
+              <a:t>prototype</a:t>
+            </a:r>
+            <a:r>
+              <a:rPr lang="en-US" dirty="0" smtClean="0"/>
+              <a:t> and every prototype is an </a:t>
+            </a:r>
+            <a:r>
+              <a:rPr lang="en-US" dirty="0" smtClean="0">
+                <a:solidFill>
+                  <a:srgbClr val="00B0F0"/>
+                </a:solidFill>
+              </a:rPr>
+              <a:t>object</a:t>
             </a:r>
           </a:p>
           <a:p>
@@ -16219,7 +16550,39 @@
           <a:p>
             <a:r>
               <a:rPr lang="en-US" dirty="0" smtClean="0"/>
-              <a:t>All objects inherit properties and methods from their prototypes (hence why it is the basis of inheritance)</a:t>
+              <a:t>All objects </a:t>
+            </a:r>
+            <a:r>
+              <a:rPr lang="en-US" dirty="0" smtClean="0">
+                <a:solidFill>
+                  <a:srgbClr val="00B0F0"/>
+                </a:solidFill>
+              </a:rPr>
+              <a:t>inherit </a:t>
+            </a:r>
+            <a:r>
+              <a:rPr lang="en-US" dirty="0" smtClean="0">
+                <a:solidFill>
+                  <a:srgbClr val="00B050"/>
+                </a:solidFill>
+              </a:rPr>
+              <a:t>properties</a:t>
+            </a:r>
+            <a:r>
+              <a:rPr lang="en-US" dirty="0" smtClean="0"/>
+              <a:t> and </a:t>
+            </a:r>
+            <a:r>
+              <a:rPr lang="en-US" dirty="0" smtClean="0">
+                <a:solidFill>
+                  <a:srgbClr val="00B050"/>
+                </a:solidFill>
+              </a:rPr>
+              <a:t>methods</a:t>
+            </a:r>
+            <a:r>
+              <a:rPr lang="en-US" dirty="0" smtClean="0"/>
+              <a:t> from their prototypes (hence why it is the basis of inheritance)</a:t>
             </a:r>
           </a:p>
           <a:p>
@@ -16228,7 +16591,19 @@
           <a:p>
             <a:r>
               <a:rPr lang="en-US" dirty="0" smtClean="0"/>
-              <a:t>Prototyping is also an easy way to add properties and methods to objects that have already been instantiated </a:t>
+              <a:t>Prototyping is also an easy way to add properties and methods to objects that have already been </a:t>
+            </a:r>
+            <a:r>
+              <a:rPr lang="en-US" b="1" dirty="0" smtClean="0">
+                <a:solidFill>
+                  <a:srgbClr val="00B0F0"/>
+                </a:solidFill>
+              </a:rPr>
+              <a:t>instantiated</a:t>
+            </a:r>
+            <a:r>
+              <a:rPr lang="en-US" dirty="0" smtClean="0"/>
+              <a:t> </a:t>
             </a:r>
             <a:endParaRPr lang="en-US" dirty="0"/>
           </a:p>
@@ -16359,10 +16734,18 @@
           <a:lstStyle/>
           <a:p>
             <a:r>
-              <a:rPr lang="en-US" dirty="0" smtClean="0"/>
+              <a:rPr lang="en-US" dirty="0" smtClean="0">
+                <a:solidFill>
+                  <a:srgbClr val="00B0F0"/>
+                </a:solidFill>
+              </a:rPr>
               <a:t>Inheritance</a:t>
             </a:r>
-            <a:endParaRPr lang="en-US" dirty="0"/>
+            <a:endParaRPr lang="en-US" dirty="0">
+              <a:solidFill>
+                <a:srgbClr val="00B0F0"/>
+              </a:solidFill>
+            </a:endParaRPr>
           </a:p>
         </p:txBody>
       </p:sp>
@@ -16514,27 +16897,67 @@
           <a:lstStyle/>
           <a:p>
             <a:r>
-              <a:rPr lang="en-US" dirty="0" smtClean="0"/>
-              <a:t>Encapsulation in JavaScript is the same as it is in other OOP languages</a:t>
-            </a:r>
-          </a:p>
-          <a:p>
-            <a:r>
-              <a:rPr lang="en-US" dirty="0" smtClean="0"/>
-              <a:t>Though private and public methods are not used in JavaScript to hide functionality, some methods we have discussed were made to help us with that issue:</a:t>
+              <a:rPr lang="en-US" dirty="0" smtClean="0">
+                <a:solidFill>
+                  <a:srgbClr val="00B0F0"/>
+                </a:solidFill>
+              </a:rPr>
+              <a:t>Encapsulation </a:t>
+            </a:r>
+            <a:r>
+              <a:rPr lang="en-US" dirty="0" smtClean="0"/>
+              <a:t>in JavaScript is the same as it is in other OOP languages</a:t>
+            </a:r>
+          </a:p>
+          <a:p>
+            <a:r>
+              <a:rPr lang="en-US" dirty="0" smtClean="0"/>
+              <a:t>Though </a:t>
+            </a:r>
+            <a:r>
+              <a:rPr lang="en-US" dirty="0" smtClean="0">
+                <a:solidFill>
+                  <a:srgbClr val="00B050"/>
+                </a:solidFill>
+              </a:rPr>
+              <a:t>private and public methods </a:t>
+            </a:r>
+            <a:r>
+              <a:rPr lang="en-US" dirty="0" smtClean="0"/>
+              <a:t>are not used in JavaScript to hide </a:t>
+            </a:r>
+            <a:r>
+              <a:rPr lang="en-US" dirty="0" smtClean="0">
+                <a:solidFill>
+                  <a:srgbClr val="00B0F0"/>
+                </a:solidFill>
+              </a:rPr>
+              <a:t>functionality</a:t>
+            </a:r>
+            <a:r>
+              <a:rPr lang="en-US" dirty="0" smtClean="0"/>
+              <a:t>, some methods we have discussed were made to help us with that issue:</a:t>
             </a:r>
           </a:p>
           <a:p>
             <a:pPr lvl="1"/>
             <a:r>
-              <a:rPr lang="en-US" dirty="0" smtClean="0"/>
+              <a:rPr lang="en-US" dirty="0" smtClean="0">
+                <a:solidFill>
+                  <a:srgbClr val="00B0F0"/>
+                </a:solidFill>
+              </a:rPr>
               <a:t>Closures</a:t>
             </a:r>
           </a:p>
           <a:p>
             <a:pPr lvl="1"/>
             <a:r>
-              <a:rPr lang="en-US" dirty="0" smtClean="0"/>
+              <a:rPr lang="en-US" dirty="0" smtClean="0">
+                <a:solidFill>
+                  <a:srgbClr val="00B0F0"/>
+                </a:solidFill>
+              </a:rPr>
               <a:t>Constructors</a:t>
             </a:r>
           </a:p>
@@ -16542,9 +16965,21 @@
             <a:pPr lvl="1"/>
             <a:r>
               <a:rPr lang="en-US" dirty="0" smtClean="0"/>
-              <a:t>And in some cases Anonymous Functions</a:t>
-            </a:r>
-            <a:endParaRPr lang="en-US" dirty="0"/>
+              <a:t>And in some cases </a:t>
+            </a:r>
+            <a:r>
+              <a:rPr lang="en-US" dirty="0" smtClean="0">
+                <a:solidFill>
+                  <a:srgbClr val="00B0F0"/>
+                </a:solidFill>
+              </a:rPr>
+              <a:t>Anonymous Functions</a:t>
+            </a:r>
+            <a:endParaRPr lang="en-US" dirty="0">
+              <a:solidFill>
+                <a:srgbClr val="00B0F0"/>
+              </a:solidFill>
+            </a:endParaRPr>
           </a:p>
         </p:txBody>
       </p:sp>
@@ -16633,14 +17068,14 @@
                 <a:gridCol w="5762625">
                   <a:extLst>
                     <a:ext uri="{9D8B030D-6E8A-4147-A177-3AD203B41FA5}">
-                      <a16:colId xmlns:a16="http://schemas.microsoft.com/office/drawing/2014/main" val="20000"/>
+                      <a16:colId xmlns="" xmlns:a16="http://schemas.microsoft.com/office/drawing/2014/main" val="20000"/>
                     </a:ext>
                   </a:extLst>
                 </a:gridCol>
                 <a:gridCol w="5762625">
                   <a:extLst>
                     <a:ext uri="{9D8B030D-6E8A-4147-A177-3AD203B41FA5}">
-                      <a16:colId xmlns:a16="http://schemas.microsoft.com/office/drawing/2014/main" val="20001"/>
+                      <a16:colId xmlns="" xmlns:a16="http://schemas.microsoft.com/office/drawing/2014/main" val="20001"/>
                     </a:ext>
                   </a:extLst>
                 </a:gridCol>
@@ -16678,7 +17113,7 @@
                 </a:tc>
                 <a:extLst>
                   <a:ext uri="{0D108BD9-81ED-4DB2-BD59-A6C34878D82A}">
-                    <a16:rowId xmlns:a16="http://schemas.microsoft.com/office/drawing/2014/main" val="10000"/>
+                    <a16:rowId xmlns="" xmlns:a16="http://schemas.microsoft.com/office/drawing/2014/main" val="10000"/>
                   </a:ext>
                 </a:extLst>
               </a:tr>
@@ -16743,7 +17178,7 @@
                 </a:tc>
                 <a:extLst>
                   <a:ext uri="{0D108BD9-81ED-4DB2-BD59-A6C34878D82A}">
-                    <a16:rowId xmlns:a16="http://schemas.microsoft.com/office/drawing/2014/main" val="10001"/>
+                    <a16:rowId xmlns="" xmlns:a16="http://schemas.microsoft.com/office/drawing/2014/main" val="10001"/>
                   </a:ext>
                 </a:extLst>
               </a:tr>
@@ -16765,21 +17200,7 @@
                           <a:latin typeface="Segoe UI Light" panose="020B0502040204020203" pitchFamily="34" charset="0"/>
                           <a:cs typeface="Segoe UI Light" panose="020B0502040204020203" pitchFamily="34" charset="0"/>
                         </a:rPr>
-                        <a:t>Object </a:t>
-                      </a:r>
-                      <a:r>
-                        <a:rPr lang="en-US" sz="2400" baseline="0" dirty="0" smtClean="0">
-                          <a:latin typeface="Segoe UI Light" panose="020B0502040204020203" pitchFamily="34" charset="0"/>
-                          <a:cs typeface="Segoe UI Light" panose="020B0502040204020203" pitchFamily="34" charset="0"/>
-                        </a:rPr>
-                        <a:t>Oriented </a:t>
-                      </a:r>
-                      <a:r>
-                        <a:rPr lang="en-US" sz="2400" baseline="0" dirty="0" smtClean="0">
-                          <a:latin typeface="Segoe UI Light" panose="020B0502040204020203" pitchFamily="34" charset="0"/>
-                          <a:cs typeface="Segoe UI Light" panose="020B0502040204020203" pitchFamily="34" charset="0"/>
-                        </a:rPr>
-                        <a:t>Programming </a:t>
+                        <a:t>Object Oriented Programming </a:t>
                       </a:r>
                       <a:endParaRPr lang="en-US" sz="2400" dirty="0">
                         <a:latin typeface="Segoe UI Light" panose="020B0502040204020203" pitchFamily="34" charset="0"/>
@@ -16822,7 +17243,7 @@
                 </a:tc>
                 <a:extLst>
                   <a:ext uri="{0D108BD9-81ED-4DB2-BD59-A6C34878D82A}">
-                    <a16:rowId xmlns:a16="http://schemas.microsoft.com/office/drawing/2014/main" val="10002"/>
+                    <a16:rowId xmlns="" xmlns:a16="http://schemas.microsoft.com/office/drawing/2014/main" val="10002"/>
                   </a:ext>
                 </a:extLst>
               </a:tr>
@@ -16886,7 +17307,7 @@
                 </a:tc>
                 <a:extLst>
                   <a:ext uri="{0D108BD9-81ED-4DB2-BD59-A6C34878D82A}">
-                    <a16:rowId xmlns:a16="http://schemas.microsoft.com/office/drawing/2014/main" val="10003"/>
+                    <a16:rowId xmlns="" xmlns:a16="http://schemas.microsoft.com/office/drawing/2014/main" val="10003"/>
                   </a:ext>
                 </a:extLst>
               </a:tr>
@@ -17031,23 +17452,87 @@
           <a:p>
             <a:r>
               <a:rPr lang="en-US" dirty="0" smtClean="0"/>
-              <a:t>The In Operator: Will tell you if a property exists in an object</a:t>
-            </a:r>
-          </a:p>
-          <a:p>
-            <a:r>
-              <a:rPr lang="en-US" dirty="0" err="1" smtClean="0"/>
+              <a:t>The </a:t>
+            </a:r>
+            <a:r>
+              <a:rPr lang="en-US" dirty="0" smtClean="0">
+                <a:solidFill>
+                  <a:srgbClr val="00B0F0"/>
+                </a:solidFill>
+              </a:rPr>
+              <a:t>In</a:t>
+            </a:r>
+            <a:r>
+              <a:rPr lang="en-US" dirty="0" smtClean="0"/>
+              <a:t> Operator: Will tell </a:t>
+            </a:r>
+            <a:r>
+              <a:rPr lang="en-US" dirty="0" smtClean="0"/>
+              <a:t>you </a:t>
+            </a:r>
+            <a:r>
+              <a:rPr lang="en-US" i="1" u="sng" dirty="0" smtClean="0"/>
+              <a:t>if a property exists </a:t>
+            </a:r>
+            <a:r>
+              <a:rPr lang="en-US" dirty="0" smtClean="0"/>
+              <a:t>in </a:t>
+            </a:r>
+            <a:r>
+              <a:rPr lang="en-US" dirty="0" smtClean="0"/>
+              <a:t>an object</a:t>
+            </a:r>
+          </a:p>
+          <a:p>
+            <a:r>
+              <a:rPr lang="en-US" dirty="0" err="1" smtClean="0">
+                <a:solidFill>
+                  <a:srgbClr val="00B0F0"/>
+                </a:solidFill>
+              </a:rPr>
               <a:t>hasOwnProperty</a:t>
             </a:r>
             <a:r>
               <a:rPr lang="en-US" dirty="0" smtClean="0"/>
-              <a:t> method: Will tell you if a specific property is unique to an object</a:t>
-            </a:r>
-          </a:p>
-          <a:p>
-            <a:r>
-              <a:rPr lang="en-US" dirty="0" smtClean="0"/>
-              <a:t>For/in loop: To access all the properties in an object </a:t>
+              <a:t> method: Will </a:t>
+            </a:r>
+            <a:r>
+              <a:rPr lang="en-US" dirty="0" smtClean="0"/>
+              <a:t>tell </a:t>
+            </a:r>
+            <a:r>
+              <a:rPr lang="en-US" dirty="0" smtClean="0"/>
+              <a:t>you </a:t>
+            </a:r>
+            <a:r>
+              <a:rPr lang="en-US" i="1" u="sng" dirty="0" smtClean="0"/>
+              <a:t>if a specific property is unique </a:t>
+            </a:r>
+            <a:r>
+              <a:rPr lang="en-US" dirty="0" smtClean="0"/>
+              <a:t>to an object</a:t>
+            </a:r>
+          </a:p>
+          <a:p>
+            <a:r>
+              <a:rPr lang="en-US" dirty="0" smtClean="0">
+                <a:solidFill>
+                  <a:srgbClr val="00B0F0"/>
+                </a:solidFill>
+              </a:rPr>
+              <a:t>For/in</a:t>
+            </a:r>
+            <a:r>
+              <a:rPr lang="en-US" dirty="0" smtClean="0"/>
+              <a:t> loop: To </a:t>
+            </a:r>
+            <a:r>
+              <a:rPr lang="en-US" i="1" u="sng" dirty="0" smtClean="0"/>
+              <a:t>access all the properties </a:t>
+            </a:r>
+            <a:r>
+              <a:rPr lang="en-US" dirty="0" smtClean="0"/>
+              <a:t>in an object </a:t>
             </a:r>
           </a:p>
           <a:p>
@@ -17084,11 +17569,7 @@
             </a:r>
             <a:r>
               <a:rPr lang="en-US" dirty="0" err="1" smtClean="0"/>
-              <a:t>small</a:t>
-            </a:r>
-            <a:r>
-              <a:rPr lang="en-US" dirty="0" err="1" smtClean="0"/>
-              <a:t>:</a:t>
+              <a:t>small:</a:t>
             </a:r>
             <a:r>
               <a:rPr lang="en-US" dirty="0" err="1" smtClean="0">
@@ -17122,15 +17603,56 @@
               <a:rPr lang="en-US" dirty="0" smtClean="0"/>
               <a:t>};</a:t>
             </a:r>
+          </a:p>
+          <a:p>
+            <a:endParaRPr lang="en-US" dirty="0"/>
+          </a:p>
+          <a:p>
+            <a:r>
+              <a:rPr lang="en-US" dirty="0" smtClean="0"/>
+              <a:t>console.log( </a:t>
+            </a:r>
+            <a:r>
+              <a:rPr lang="en-US" dirty="0" smtClean="0">
+                <a:solidFill>
+                  <a:schemeClr val="accent6"/>
+                </a:solidFill>
+              </a:rPr>
+              <a:t>"small" </a:t>
+            </a:r>
+            <a:r>
+              <a:rPr lang="en-US" dirty="0" smtClean="0">
+                <a:solidFill>
+                  <a:srgbClr val="FFFF00"/>
+                </a:solidFill>
+              </a:rPr>
+              <a:t>in</a:t>
+            </a:r>
+            <a:r>
+              <a:rPr lang="en-US" dirty="0" smtClean="0"/>
+              <a:t> seafood); // true</a:t>
+            </a:r>
+            <a:endParaRPr lang="en-US" dirty="0"/>
+          </a:p>
+          <a:p>
             <a:endParaRPr lang="en-US" dirty="0" smtClean="0"/>
           </a:p>
           <a:p>
-            <a:endParaRPr lang="en-US" dirty="0"/>
-          </a:p>
-          <a:p>
-            <a:r>
-              <a:rPr lang="en-US" dirty="0" smtClean="0"/>
-              <a:t>console.log</a:t>
+            <a:r>
+              <a:rPr lang="en-US" dirty="0" smtClean="0"/>
+              <a:t>console.log(</a:t>
+            </a:r>
+            <a:r>
+              <a:rPr lang="en-US" dirty="0" err="1" smtClean="0"/>
+              <a:t>seafood.</a:t>
+            </a:r>
+            <a:r>
+              <a:rPr lang="en-US" dirty="0" err="1">
+                <a:solidFill>
+                  <a:srgbClr val="FFFF00"/>
+                </a:solidFill>
+              </a:rPr>
+              <a:t>hasOwnProperty</a:t>
             </a:r>
             <a:r>
               <a:rPr lang="en-US" dirty="0" smtClean="0"/>
@@ -17145,44 +17667,6 @@
               <a:t>"</a:t>
             </a:r>
             <a:r>
-              <a:rPr lang="en-US" dirty="0" smtClean="0">
-                <a:solidFill>
-                  <a:schemeClr val="accent6"/>
-                </a:solidFill>
-              </a:rPr>
-              <a:t>small" </a:t>
-            </a:r>
-            <a:r>
-              <a:rPr lang="en-US" dirty="0" smtClean="0"/>
-              <a:t>in seafood); // true</a:t>
-            </a:r>
-            <a:endParaRPr lang="en-US" dirty="0"/>
-          </a:p>
-          <a:p>
-            <a:endParaRPr lang="en-US" dirty="0" smtClean="0"/>
-          </a:p>
-          <a:p>
-            <a:r>
-              <a:rPr lang="en-US" dirty="0" smtClean="0"/>
-              <a:t>console.log(</a:t>
-            </a:r>
-            <a:r>
-              <a:rPr lang="en-US" dirty="0" err="1" smtClean="0"/>
-              <a:t>seafood.hasOwnProperty</a:t>
-            </a:r>
-            <a:r>
-              <a:rPr lang="en-US" dirty="0" smtClean="0"/>
-              <a:t>( </a:t>
-            </a:r>
-            <a:r>
-              <a:rPr lang="en-US" dirty="0" smtClean="0">
-                <a:solidFill>
-                  <a:schemeClr val="accent6"/>
-                </a:solidFill>
-              </a:rPr>
-              <a:t>"</a:t>
-            </a:r>
-            <a:r>
               <a:rPr lang="en-US" dirty="0" err="1" smtClean="0">
                 <a:solidFill>
                   <a:schemeClr val="accent6"/>
@@ -17200,11 +17684,7 @@
             </a:r>
             <a:r>
               <a:rPr lang="en-US" dirty="0" smtClean="0"/>
-              <a:t>)); </a:t>
-            </a:r>
-            <a:r>
-              <a:rPr lang="en-US" dirty="0" smtClean="0"/>
-              <a:t>//false</a:t>
+              <a:t>)); //false</a:t>
             </a:r>
             <a:endParaRPr lang="en-US" dirty="0"/>
           </a:p>
@@ -17213,8 +17693,16 @@
           </a:p>
           <a:p>
             <a:r>
-              <a:rPr lang="en-US" dirty="0" smtClean="0"/>
-              <a:t>for(</a:t>
+              <a:rPr lang="en-US" dirty="0" smtClean="0">
+                <a:solidFill>
+                  <a:srgbClr val="FFFF00"/>
+                </a:solidFill>
+              </a:rPr>
+              <a:t>for</a:t>
+            </a:r>
+            <a:r>
+              <a:rPr lang="en-US" dirty="0" smtClean="0"/>
+              <a:t>(</a:t>
             </a:r>
             <a:r>
               <a:rPr lang="en-US" dirty="0" err="1" smtClean="0">
@@ -17226,7 +17714,19 @@
             </a:r>
             <a:r>
               <a:rPr lang="en-US" dirty="0" smtClean="0"/>
-              <a:t> item in seafood){</a:t>
+              <a:t> item </a:t>
+            </a:r>
+            <a:r>
+              <a:rPr lang="en-US" dirty="0" smtClean="0">
+                <a:solidFill>
+                  <a:srgbClr val="FFFF00"/>
+                </a:solidFill>
+              </a:rPr>
+              <a:t>in</a:t>
+            </a:r>
+            <a:r>
+              <a:rPr lang="en-US" dirty="0" smtClean="0"/>
+              <a:t> seafood){</a:t>
             </a:r>
           </a:p>
           <a:p>
@@ -17688,7 +18188,27 @@
             </a:pPr>
             <a:r>
               <a:rPr lang="en-US" dirty="0" smtClean="0"/>
-              <a:t>Though many people are unaware, JavaScript is a great OOP language. Unlike others like C# and Java, JavaScript supports inheritance through prototyping.</a:t>
+              <a:t>Though many people are unaware, JavaScript is a great </a:t>
+            </a:r>
+            <a:r>
+              <a:rPr lang="en-US" dirty="0" smtClean="0">
+                <a:solidFill>
+                  <a:srgbClr val="00B0F0"/>
+                </a:solidFill>
+              </a:rPr>
+              <a:t>OOP </a:t>
+            </a:r>
+            <a:r>
+              <a:rPr lang="en-US" dirty="0" smtClean="0"/>
+              <a:t>language. Unlike others like C# and Java, JavaScript supports inheritance through </a:t>
+            </a:r>
+            <a:r>
+              <a:rPr lang="en-US" dirty="0" smtClean="0">
+                <a:solidFill>
+                  <a:srgbClr val="00B0F0"/>
+                </a:solidFill>
+              </a:rPr>
+              <a:t>prototyping.</a:t>
             </a:r>
           </a:p>
           <a:p>
@@ -17750,15 +18270,67 @@
             </a:pPr>
             <a:r>
               <a:rPr lang="en-US" dirty="0" smtClean="0"/>
-              <a:t>In JavaScript, there is no real </a:t>
-            </a:r>
-            <a:r>
-              <a:rPr lang="en-US" i="1" dirty="0" smtClean="0"/>
+              <a:t>In JavaScript, there is </a:t>
+            </a:r>
+            <a:r>
+              <a:rPr lang="en-US" dirty="0" smtClean="0">
+                <a:solidFill>
+                  <a:srgbClr val="FF0000"/>
+                </a:solidFill>
+              </a:rPr>
+              <a:t>no</a:t>
+            </a:r>
+            <a:r>
+              <a:rPr lang="en-US" dirty="0" smtClean="0"/>
+              <a:t> real </a:t>
+            </a:r>
+            <a:r>
+              <a:rPr lang="en-US" i="1" dirty="0" smtClean="0">
+                <a:solidFill>
+                  <a:srgbClr val="FF0000"/>
+                </a:solidFill>
+              </a:rPr>
               <a:t>class</a:t>
             </a:r>
             <a:r>
               <a:rPr lang="en-US" dirty="0" smtClean="0"/>
-              <a:t> statement. Instead a constructor is made as a function.</a:t>
+              <a:t> statement. </a:t>
+            </a:r>
+            <a:r>
+              <a:rPr lang="en-US" dirty="0" smtClean="0">
+                <a:solidFill>
+                  <a:srgbClr val="FF0000"/>
+                </a:solidFill>
+              </a:rPr>
+              <a:t>Instead</a:t>
+            </a:r>
+            <a:r>
+              <a:rPr lang="en-US" dirty="0" smtClean="0"/>
+              <a:t> a </a:t>
+            </a:r>
+            <a:r>
+              <a:rPr lang="en-US" i="1" dirty="0">
+                <a:solidFill>
+                  <a:srgbClr val="FF0000"/>
+                </a:solidFill>
+              </a:rPr>
+              <a:t>constructor </a:t>
+            </a:r>
+            <a:r>
+              <a:rPr lang="en-US" dirty="0" smtClean="0"/>
+              <a:t>is made as a </a:t>
+            </a:r>
+            <a:r>
+              <a:rPr lang="en-US" b="1" dirty="0" smtClean="0">
+                <a:solidFill>
+                  <a:srgbClr val="00B050"/>
+                </a:solidFill>
+              </a:rPr>
+              <a:t>function</a:t>
+            </a:r>
+            <a:r>
+              <a:rPr lang="en-US" dirty="0" smtClean="0"/>
+              <a:t>.</a:t>
             </a:r>
             <a:endParaRPr lang="en-US" dirty="0"/>
           </a:p>
@@ -17834,68 +18406,168 @@
           <a:p>
             <a:r>
               <a:rPr lang="en-US" dirty="0" smtClean="0"/>
-              <a:t>JavaScript has several built in objects as is. Some include:</a:t>
+              <a:t>JavaScript has several </a:t>
+            </a:r>
+            <a:r>
+              <a:rPr lang="en-US" b="1" dirty="0" smtClean="0">
+                <a:solidFill>
+                  <a:srgbClr val="00B050"/>
+                </a:solidFill>
+              </a:rPr>
+              <a:t>built in </a:t>
+            </a:r>
+            <a:r>
+              <a:rPr lang="en-US" dirty="0" smtClean="0"/>
+              <a:t>objects as is. Some include:</a:t>
             </a:r>
           </a:p>
           <a:p>
             <a:pPr lvl="1"/>
             <a:r>
               <a:rPr lang="en-US" dirty="0" smtClean="0"/>
-              <a:t>The Math object</a:t>
-            </a:r>
+              <a:t>The </a:t>
+            </a:r>
+            <a:r>
+              <a:rPr lang="en-US" dirty="0" smtClean="0">
+                <a:solidFill>
+                  <a:srgbClr val="00B0F0"/>
+                </a:solidFill>
+              </a:rPr>
+              <a:t>Math</a:t>
+            </a:r>
+            <a:r>
+              <a:rPr lang="en-US" dirty="0" smtClean="0"/>
+              <a:t> object</a:t>
+            </a:r>
+            <a:endParaRPr lang="en-US" dirty="0" smtClean="0"/>
           </a:p>
           <a:p>
             <a:pPr lvl="1"/>
             <a:r>
               <a:rPr lang="en-US" dirty="0" smtClean="0"/>
-              <a:t>The Object </a:t>
-            </a:r>
-            <a:r>
-              <a:rPr lang="en-US" dirty="0" err="1" smtClean="0"/>
+              <a:t>The </a:t>
+            </a:r>
+            <a:r>
+              <a:rPr lang="en-US" b="1" dirty="0" smtClean="0">
+                <a:solidFill>
+                  <a:srgbClr val="00B050"/>
+                </a:solidFill>
+              </a:rPr>
+              <a:t>Object </a:t>
+            </a:r>
+            <a:r>
+              <a:rPr lang="en-US" dirty="0" smtClean="0"/>
               <a:t>object</a:t>
             </a:r>
-            <a:endParaRPr lang="en-US" dirty="0" smtClean="0"/>
           </a:p>
           <a:p>
             <a:pPr lvl="1"/>
             <a:r>
               <a:rPr lang="en-US" dirty="0" smtClean="0"/>
-              <a:t>The String object</a:t>
+              <a:t>The </a:t>
+            </a:r>
+            <a:r>
+              <a:rPr lang="en-US" dirty="0" smtClean="0">
+                <a:solidFill>
+                  <a:srgbClr val="00B0F0"/>
+                </a:solidFill>
+              </a:rPr>
+              <a:t>String</a:t>
+            </a:r>
+            <a:r>
+              <a:rPr lang="en-US" dirty="0" smtClean="0"/>
+              <a:t> object</a:t>
             </a:r>
           </a:p>
           <a:p>
             <a:pPr lvl="1"/>
             <a:r>
               <a:rPr lang="en-US" dirty="0" smtClean="0"/>
-              <a:t>The Array object</a:t>
-            </a:r>
-          </a:p>
-          <a:p>
-            <a:r>
-              <a:rPr lang="en-US" dirty="0" smtClean="0"/>
-              <a:t>Each of these all have their own built </a:t>
-            </a:r>
-            <a:r>
-              <a:rPr lang="en-US" smtClean="0"/>
-              <a:t>in methods </a:t>
-            </a:r>
-            <a:r>
-              <a:rPr lang="en-US" dirty="0" smtClean="0"/>
-              <a:t>that are available for use at all times</a:t>
-            </a:r>
-          </a:p>
-          <a:p>
-            <a:r>
-              <a:rPr lang="en-US" dirty="0" smtClean="0"/>
-              <a:t>Keep in mind that all objects, built in or custom, are an instance of the object </a:t>
-            </a:r>
-            <a:r>
-              <a:rPr lang="en-US" dirty="0" err="1" smtClean="0"/>
+              <a:t>The </a:t>
+            </a:r>
+            <a:r>
+              <a:rPr lang="en-US" dirty="0" smtClean="0">
+                <a:solidFill>
+                  <a:srgbClr val="00B0F0"/>
+                </a:solidFill>
+              </a:rPr>
+              <a:t>Array </a:t>
+            </a:r>
+            <a:r>
+              <a:rPr lang="en-US" dirty="0" smtClean="0"/>
+              <a:t>object</a:t>
+            </a:r>
+          </a:p>
+          <a:p>
+            <a:r>
+              <a:rPr lang="en-US" dirty="0" smtClean="0"/>
+              <a:t>Each of these all have their own built in </a:t>
+            </a:r>
+            <a:r>
+              <a:rPr lang="en-US" dirty="0" smtClean="0">
+                <a:solidFill>
+                  <a:srgbClr val="00B0F0"/>
+                </a:solidFill>
+              </a:rPr>
+              <a:t>methods</a:t>
+            </a:r>
+            <a:r>
+              <a:rPr lang="en-US" dirty="0" smtClean="0"/>
+              <a:t> that are available for use </a:t>
+            </a:r>
+            <a:r>
+              <a:rPr lang="en-US" b="1" dirty="0" smtClean="0"/>
+              <a:t>at all times</a:t>
+            </a:r>
+          </a:p>
+          <a:p>
+            <a:r>
+              <a:rPr lang="en-US" dirty="0" smtClean="0"/>
+              <a:t>Keep in mind that </a:t>
+            </a:r>
+            <a:r>
+              <a:rPr lang="en-US" b="1" dirty="0" smtClean="0"/>
+              <a:t>all objects</a:t>
+            </a:r>
+            <a:r>
+              <a:rPr lang="en-US" dirty="0" smtClean="0"/>
+              <a:t>, built in or custom, are an </a:t>
+            </a:r>
+            <a:r>
+              <a:rPr lang="en-US" dirty="0" smtClean="0">
+                <a:solidFill>
+                  <a:srgbClr val="00B0F0"/>
+                </a:solidFill>
+              </a:rPr>
+              <a:t>instance</a:t>
+            </a:r>
+            <a:r>
+              <a:rPr lang="en-US" dirty="0" smtClean="0"/>
+              <a:t> of the object </a:t>
+            </a:r>
+            <a:r>
+              <a:rPr lang="en-US" b="1" dirty="0" err="1" smtClean="0">
+                <a:solidFill>
+                  <a:srgbClr val="00B050"/>
+                </a:solidFill>
+              </a:rPr>
               <a:t>Object</a:t>
             </a:r>
             <a:r>
               <a:rPr lang="en-US" dirty="0" smtClean="0"/>
-              <a:t>. They inherit all of its properties and methods</a:t>
+              <a:t>. They inherit all of its </a:t>
+            </a:r>
+            <a:r>
+              <a:rPr lang="en-US" b="1" dirty="0" smtClean="0"/>
+              <a:t>properties</a:t>
+            </a:r>
+            <a:r>
+              <a:rPr lang="en-US" dirty="0" smtClean="0"/>
+              <a:t> and </a:t>
+            </a:r>
+            <a:r>
+              <a:rPr lang="en-US" b="1" dirty="0" smtClean="0"/>
+              <a:t>methods</a:t>
             </a:r>
           </a:p>
           <a:p>
@@ -18033,13 +18705,37 @@
             </a:pPr>
             <a:r>
               <a:rPr lang="en-US" dirty="0" smtClean="0"/>
-              <a:t>Using Object Literals</a:t>
+              <a:t>Using Object </a:t>
+            </a:r>
+            <a:r>
+              <a:rPr lang="en-US" dirty="0" smtClean="0">
+                <a:solidFill>
+                  <a:srgbClr val="00B0F0"/>
+                </a:solidFill>
+              </a:rPr>
+              <a:t>Literals</a:t>
             </a:r>
           </a:p>
           <a:p>
             <a:r>
               <a:rPr lang="en-US" sz="2800" dirty="0" smtClean="0"/>
-              <a:t>With this method, you simply initialize all the properties of the object within brackets.</a:t>
+              <a:t>With this method, you simply </a:t>
+            </a:r>
+            <a:r>
+              <a:rPr lang="en-US" sz="2800" dirty="0" smtClean="0">
+                <a:solidFill>
+                  <a:srgbClr val="00B0F0"/>
+                </a:solidFill>
+              </a:rPr>
+              <a:t>initialize</a:t>
+            </a:r>
+            <a:r>
+              <a:rPr lang="en-US" sz="2800" dirty="0" smtClean="0"/>
+              <a:t> all the properties of the object within </a:t>
+            </a:r>
+            <a:r>
+              <a:rPr lang="en-US" sz="2800" i="1" dirty="0" smtClean="0"/>
+              <a:t>brackets.</a:t>
             </a:r>
           </a:p>
           <a:p>
@@ -18048,9 +18744,25 @@
           <a:p>
             <a:r>
               <a:rPr lang="en-US" sz="2800" dirty="0" smtClean="0"/>
-              <a:t>The properties are separated by commas</a:t>
-            </a:r>
-            <a:endParaRPr lang="en-US" sz="2800" dirty="0"/>
+              <a:t>The </a:t>
+            </a:r>
+            <a:r>
+              <a:rPr lang="en-US" sz="2800" dirty="0" smtClean="0">
+                <a:solidFill>
+                  <a:srgbClr val="00B0F0"/>
+                </a:solidFill>
+              </a:rPr>
+              <a:t>properties</a:t>
+            </a:r>
+            <a:r>
+              <a:rPr lang="en-US" sz="2800" dirty="0" smtClean="0"/>
+              <a:t> are separated by </a:t>
+            </a:r>
+            <a:r>
+              <a:rPr lang="en-US" sz="2800" i="1" dirty="0" smtClean="0"/>
+              <a:t>commas</a:t>
+            </a:r>
+            <a:endParaRPr lang="en-US" sz="2800" i="1" dirty="0"/>
           </a:p>
         </p:txBody>
       </p:sp>
@@ -18074,13 +18786,41 @@
             </a:pPr>
             <a:r>
               <a:rPr lang="en-US" dirty="0" smtClean="0"/>
-              <a:t>Using the Object Constructor</a:t>
+              <a:t>Using the Object </a:t>
+            </a:r>
+            <a:r>
+              <a:rPr lang="en-US" dirty="0" smtClean="0">
+                <a:solidFill>
+                  <a:srgbClr val="00B0F0"/>
+                </a:solidFill>
+              </a:rPr>
+              <a:t>Constructor</a:t>
             </a:r>
           </a:p>
           <a:p>
             <a:r>
               <a:rPr lang="en-US" sz="2800" dirty="0" smtClean="0"/>
-              <a:t>With this method, you instantiate the object by calling the Object constructor</a:t>
+              <a:t>With this method, you </a:t>
+            </a:r>
+            <a:r>
+              <a:rPr lang="en-US" sz="2800" dirty="0" smtClean="0">
+                <a:solidFill>
+                  <a:srgbClr val="00B0F0"/>
+                </a:solidFill>
+              </a:rPr>
+              <a:t>instantiate</a:t>
+            </a:r>
+            <a:r>
+              <a:rPr lang="en-US" sz="2800" dirty="0" smtClean="0"/>
+              <a:t> the object by calling the </a:t>
+            </a:r>
+            <a:r>
+              <a:rPr lang="en-US" sz="2800" i="1" dirty="0" smtClean="0">
+                <a:solidFill>
+                  <a:srgbClr val="00B0F0"/>
+                </a:solidFill>
+              </a:rPr>
+              <a:t>Object constructor</a:t>
             </a:r>
           </a:p>
           <a:p>
@@ -18089,9 +18829,21 @@
           <a:p>
             <a:r>
               <a:rPr lang="en-US" sz="2800" dirty="0" smtClean="0"/>
-              <a:t>Properties are added using dot notation </a:t>
-            </a:r>
-            <a:endParaRPr lang="en-US" sz="2800" dirty="0"/>
+              <a:t>Properties are added using </a:t>
+            </a:r>
+            <a:r>
+              <a:rPr lang="en-US" sz="2800" i="1" dirty="0" smtClean="0">
+                <a:solidFill>
+                  <a:srgbClr val="00B0F0"/>
+                </a:solidFill>
+              </a:rPr>
+              <a:t>dot notation </a:t>
+            </a:r>
+            <a:endParaRPr lang="en-US" sz="2800" i="1" dirty="0">
+              <a:solidFill>
+                <a:srgbClr val="00B0F0"/>
+              </a:solidFill>
+            </a:endParaRPr>
           </a:p>
         </p:txBody>
       </p:sp>
@@ -18111,10 +18863,18 @@
           <a:lstStyle/>
           <a:p>
             <a:r>
-              <a:rPr lang="en-US" dirty="0" smtClean="0"/>
+              <a:rPr lang="en-US" b="1" dirty="0" smtClean="0">
+                <a:solidFill>
+                  <a:srgbClr val="00B050"/>
+                </a:solidFill>
+              </a:rPr>
               <a:t>How to Create An Object</a:t>
             </a:r>
-            <a:endParaRPr lang="en-US" dirty="0"/>
+            <a:endParaRPr lang="en-US" b="1" dirty="0">
+              <a:solidFill>
+                <a:srgbClr val="00B050"/>
+              </a:solidFill>
+            </a:endParaRPr>
           </a:p>
         </p:txBody>
       </p:sp>
@@ -19277,6 +20037,12 @@
 </file>
 
 <file path=customXml/item1.xml><?xml version="1.0" encoding="utf-8"?>
+<p:properties xmlns:p="http://schemas.microsoft.com/office/2006/metadata/properties" xmlns:xsi="http://www.w3.org/2001/XMLSchema-instance" xmlns:pc="http://schemas.microsoft.com/office/infopath/2007/PartnerControls">
+  <documentManagement/>
+</p:properties>
+</file>
+
+<file path=customXml/item2.xml><?xml version="1.0" encoding="utf-8"?>
 <ct:contentTypeSchema xmlns:ct="http://schemas.microsoft.com/office/2006/metadata/contentType" xmlns:ma="http://schemas.microsoft.com/office/2006/metadata/properties/metaAttributes" ct:_="" ma:_="" ma:contentTypeName="Document" ma:contentTypeID="0x010100BD9BF63586D9884E9335F37127EABBE8" ma:contentTypeVersion="1" ma:contentTypeDescription="Create a new document." ma:contentTypeScope="" ma:versionID="3b40c7f62b06f9f0cd473a069af3a91f">
   <xsd:schema xmlns:xsd="http://www.w3.org/2001/XMLSchema" xmlns:xs="http://www.w3.org/2001/XMLSchema" xmlns:p="http://schemas.microsoft.com/office/2006/metadata/properties" xmlns:ns3="e5a13ba8-98e3-4f23-a221-7ac9824aa662" targetNamespace="http://schemas.microsoft.com/office/2006/metadata/properties" ma:root="true" ma:fieldsID="4327d685be69599737fa0038b3ab671f" ns3:_="">
     <xsd:import namespace="e5a13ba8-98e3-4f23-a221-7ac9824aa662"/>
@@ -19416,7 +20182,7 @@
 </ct:contentTypeSchema>
 </file>
 
-<file path=customXml/item2.xml><?xml version="1.0" encoding="utf-8"?>
+<file path=customXml/item3.xml><?xml version="1.0" encoding="utf-8"?>
 <?mso-contentType ?>
 <FormTemplates xmlns="http://schemas.microsoft.com/sharepoint/v3/contenttype/forms">
   <Display>DocumentLibraryForm</Display>
@@ -19425,13 +20191,23 @@
 </FormTemplates>
 </file>
 
-<file path=customXml/item3.xml><?xml version="1.0" encoding="utf-8"?>
-<p:properties xmlns:p="http://schemas.microsoft.com/office/2006/metadata/properties" xmlns:xsi="http://www.w3.org/2001/XMLSchema-instance" xmlns:pc="http://schemas.microsoft.com/office/infopath/2007/PartnerControls">
-  <documentManagement/>
-</p:properties>
+<file path=customXml/itemProps1.xml><?xml version="1.0" encoding="utf-8"?>
+<ds:datastoreItem xmlns:ds="http://schemas.openxmlformats.org/officeDocument/2006/customXml" ds:itemID="{7025FDD9-4C58-4084-9F89-0E6ADD6FFF55}">
+  <ds:schemaRefs>
+    <ds:schemaRef ds:uri="http://schemas.microsoft.com/office/2006/documentManagement/types"/>
+    <ds:schemaRef ds:uri="http://schemas.microsoft.com/office/infopath/2007/PartnerControls"/>
+    <ds:schemaRef ds:uri="http://purl.org/dc/elements/1.1/"/>
+    <ds:schemaRef ds:uri="http://schemas.microsoft.com/office/2006/metadata/properties"/>
+    <ds:schemaRef ds:uri="http://purl.org/dc/terms/"/>
+    <ds:schemaRef ds:uri="http://schemas.openxmlformats.org/package/2006/metadata/core-properties"/>
+    <ds:schemaRef ds:uri="e5a13ba8-98e3-4f23-a221-7ac9824aa662"/>
+    <ds:schemaRef ds:uri="http://www.w3.org/XML/1998/namespace"/>
+    <ds:schemaRef ds:uri="http://purl.org/dc/dcmitype/"/>
+  </ds:schemaRefs>
+</ds:datastoreItem>
 </file>
 
-<file path=customXml/itemProps1.xml><?xml version="1.0" encoding="utf-8"?>
+<file path=customXml/itemProps2.xml><?xml version="1.0" encoding="utf-8"?>
 <ds:datastoreItem xmlns:ds="http://schemas.openxmlformats.org/officeDocument/2006/customXml" ds:itemID="{DABDB566-B5C0-42A7-A33C-2648D176B99D}">
   <ds:schemaRefs>
     <ds:schemaRef ds:uri="http://schemas.microsoft.com/office/2006/metadata/contentType"/>
@@ -19449,26 +20225,10 @@
 </ds:datastoreItem>
 </file>
 
-<file path=customXml/itemProps2.xml><?xml version="1.0" encoding="utf-8"?>
+<file path=customXml/itemProps3.xml><?xml version="1.0" encoding="utf-8"?>
 <ds:datastoreItem xmlns:ds="http://schemas.openxmlformats.org/officeDocument/2006/customXml" ds:itemID="{B0CA13EC-1D3C-4D6F-8D1C-E8A452CFC79A}">
   <ds:schemaRefs>
     <ds:schemaRef ds:uri="http://schemas.microsoft.com/sharepoint/v3/contenttype/forms"/>
   </ds:schemaRefs>
 </ds:datastoreItem>
-</file>
-
-<file path=customXml/itemProps3.xml><?xml version="1.0" encoding="utf-8"?>
-<ds:datastoreItem xmlns:ds="http://schemas.openxmlformats.org/officeDocument/2006/customXml" ds:itemID="{7025FDD9-4C58-4084-9F89-0E6ADD6FFF55}">
-  <ds:schemaRefs>
-    <ds:schemaRef ds:uri="http://schemas.microsoft.com/office/2006/documentManagement/types"/>
-    <ds:schemaRef ds:uri="http://schemas.microsoft.com/office/infopath/2007/PartnerControls"/>
-    <ds:schemaRef ds:uri="http://purl.org/dc/elements/1.1/"/>
-    <ds:schemaRef ds:uri="http://schemas.microsoft.com/office/2006/metadata/properties"/>
-    <ds:schemaRef ds:uri="http://purl.org/dc/terms/"/>
-    <ds:schemaRef ds:uri="http://schemas.openxmlformats.org/package/2006/metadata/core-properties"/>
-    <ds:schemaRef ds:uri="e5a13ba8-98e3-4f23-a221-7ac9824aa662"/>
-    <ds:schemaRef ds:uri="http://www.w3.org/XML/1998/namespace"/>
-    <ds:schemaRef ds:uri="http://purl.org/dc/dcmitype/"/>
-  </ds:schemaRefs>
-</ds:datastoreItem>
 </file>